--- a/mkoenig/python/metabolism/toymodel/Integrated Toy Model.pptx
+++ b/mkoenig/python/metabolism/toymodel/Integrated Toy Model.pptx
@@ -385,7 +385,7 @@
   <p:cSld>
     <p:spTree>
       <p:nvGrpSpPr>
-        <p:cNvPr id="62" name="Shape 62"/>
+        <p:cNvPr id="52" name="Shape 52"/>
         <p:cNvGrpSpPr/>
         <p:nvPr/>
       </p:nvGrpSpPr>
@@ -399,7 +399,7 @@
       </p:grpSpPr>
       <p:sp>
         <p:nvSpPr>
-          <p:cNvPr id="63" name="Shape 63"/>
+          <p:cNvPr id="53" name="Shape 53"/>
           <p:cNvSpPr/>
           <p:nvPr>
             <p:ph idx="2" type="sldImg"/>
@@ -408,7 +408,7 @@
         <p:spPr>
           <a:xfrm>
             <a:off x="381300" y="685800"/>
-            <a:ext cx="6096075" cy="3429000"/>
+            <a:ext cx="6096000" cy="3429000"/>
           </a:xfrm>
           <a:custGeom>
             <a:pathLst>
@@ -443,7 +443,7 @@
       </p:sp>
       <p:sp>
         <p:nvSpPr>
-          <p:cNvPr id="64" name="Shape 64"/>
+          <p:cNvPr id="54" name="Shape 54"/>
           <p:cNvSpPr txBox="1"/>
           <p:nvPr>
             <p:ph idx="1" type="body"/>
@@ -490,7 +490,7 @@
   <p:cSld>
     <p:spTree>
       <p:nvGrpSpPr>
-        <p:cNvPr id="74" name="Shape 74"/>
+        <p:cNvPr id="71" name="Shape 71"/>
         <p:cNvGrpSpPr/>
         <p:nvPr/>
       </p:nvGrpSpPr>
@@ -504,7 +504,7 @@
       </p:grpSpPr>
       <p:sp>
         <p:nvSpPr>
-          <p:cNvPr id="75" name="Shape 75"/>
+          <p:cNvPr id="72" name="Shape 72"/>
           <p:cNvSpPr/>
           <p:nvPr>
             <p:ph idx="2" type="sldImg"/>
@@ -513,7 +513,7 @@
         <p:spPr>
           <a:xfrm>
             <a:off x="381300" y="685800"/>
-            <a:ext cx="6096000" cy="3429000"/>
+            <a:ext cx="6096075" cy="3429000"/>
           </a:xfrm>
           <a:custGeom>
             <a:pathLst>
@@ -548,7 +548,7 @@
       </p:sp>
       <p:sp>
         <p:nvSpPr>
-          <p:cNvPr id="76" name="Shape 76"/>
+          <p:cNvPr id="73" name="Shape 73"/>
           <p:cNvSpPr txBox="1"/>
           <p:nvPr>
             <p:ph idx="1" type="body"/>
@@ -569,7 +569,7 @@
           </a:bodyPr>
           <a:lstStyle/>
           <a:p>
-            <a:pPr lvl="0" rtl="0">
+            <a:pPr>
               <a:spcBef>
                 <a:spcPts val="0"/>
               </a:spcBef>
@@ -595,7 +595,7 @@
   <p:cSld>
     <p:spTree>
       <p:nvGrpSpPr>
-        <p:cNvPr id="81" name="Shape 81"/>
+        <p:cNvPr id="84" name="Shape 84"/>
         <p:cNvGrpSpPr/>
         <p:nvPr/>
       </p:nvGrpSpPr>
@@ -609,7 +609,7 @@
       </p:grpSpPr>
       <p:sp>
         <p:nvSpPr>
-          <p:cNvPr id="82" name="Shape 82"/>
+          <p:cNvPr id="85" name="Shape 85"/>
           <p:cNvSpPr/>
           <p:nvPr>
             <p:ph idx="2" type="sldImg"/>
@@ -653,7 +653,7 @@
       </p:sp>
       <p:sp>
         <p:nvSpPr>
-          <p:cNvPr id="83" name="Shape 83"/>
+          <p:cNvPr id="86" name="Shape 86"/>
           <p:cNvSpPr txBox="1"/>
           <p:nvPr>
             <p:ph idx="1" type="body"/>
@@ -700,7 +700,7 @@
   <p:cSld>
     <p:spTree>
       <p:nvGrpSpPr>
-        <p:cNvPr id="112" name="Shape 112"/>
+        <p:cNvPr id="115" name="Shape 115"/>
         <p:cNvGrpSpPr/>
         <p:nvPr/>
       </p:nvGrpSpPr>
@@ -714,7 +714,7 @@
       </p:grpSpPr>
       <p:sp>
         <p:nvSpPr>
-          <p:cNvPr id="113" name="Shape 113"/>
+          <p:cNvPr id="116" name="Shape 116"/>
           <p:cNvSpPr/>
           <p:nvPr>
             <p:ph idx="2" type="sldImg"/>
@@ -758,7 +758,7 @@
       </p:sp>
       <p:sp>
         <p:nvSpPr>
-          <p:cNvPr id="114" name="Shape 114"/>
+          <p:cNvPr id="117" name="Shape 117"/>
           <p:cNvSpPr txBox="1"/>
           <p:nvPr>
             <p:ph idx="1" type="body"/>
@@ -805,7 +805,7 @@
   <p:cSld>
     <p:spTree>
       <p:nvGrpSpPr>
-        <p:cNvPr id="124" name="Shape 124"/>
+        <p:cNvPr id="127" name="Shape 127"/>
         <p:cNvGrpSpPr/>
         <p:nvPr/>
       </p:nvGrpSpPr>
@@ -819,7 +819,7 @@
       </p:grpSpPr>
       <p:sp>
         <p:nvSpPr>
-          <p:cNvPr id="125" name="Shape 125"/>
+          <p:cNvPr id="128" name="Shape 128"/>
           <p:cNvSpPr/>
           <p:nvPr>
             <p:ph idx="2" type="sldImg"/>
@@ -863,7 +863,7 @@
       </p:sp>
       <p:sp>
         <p:nvSpPr>
-          <p:cNvPr id="126" name="Shape 126"/>
+          <p:cNvPr id="129" name="Shape 129"/>
           <p:cNvSpPr txBox="1"/>
           <p:nvPr>
             <p:ph idx="1" type="body"/>
@@ -910,7 +910,7 @@
   <p:cSld>
     <p:spTree>
       <p:nvGrpSpPr>
-        <p:cNvPr id="132" name="Shape 132"/>
+        <p:cNvPr id="136" name="Shape 136"/>
         <p:cNvGrpSpPr/>
         <p:nvPr/>
       </p:nvGrpSpPr>
@@ -924,7 +924,7 @@
       </p:grpSpPr>
       <p:sp>
         <p:nvSpPr>
-          <p:cNvPr id="133" name="Shape 133"/>
+          <p:cNvPr id="137" name="Shape 137"/>
           <p:cNvSpPr/>
           <p:nvPr>
             <p:ph idx="2" type="sldImg"/>
@@ -968,7 +968,7 @@
       </p:sp>
       <p:sp>
         <p:nvSpPr>
-          <p:cNvPr id="134" name="Shape 134"/>
+          <p:cNvPr id="138" name="Shape 138"/>
           <p:cNvSpPr txBox="1"/>
           <p:nvPr>
             <p:ph idx="1" type="body"/>
@@ -4239,32 +4239,22 @@
       <p:sp>
         <p:nvSpPr>
           <p:cNvPr id="50" name="Shape 50"/>
-          <p:cNvSpPr/>
-          <p:nvPr/>
-        </p:nvSpPr>
-        <p:spPr>
-          <a:xfrm>
-            <a:off x="2843875" y="1662600"/>
-            <a:ext cx="2986799" cy="2123100"/>
-          </a:xfrm>
-          <a:prstGeom prst="rect">
-            <a:avLst/>
-          </a:prstGeom>
-          <a:solidFill>
-            <a:schemeClr val="lt2"/>
-          </a:solidFill>
-          <a:ln cap="flat" cmpd="sng" w="9525">
-            <a:solidFill>
-              <a:schemeClr val="dk2"/>
-            </a:solidFill>
-            <a:prstDash val="solid"/>
-            <a:round/>
-            <a:headEnd len="med" w="med" type="none"/>
-            <a:tailEnd len="med" w="med" type="none"/>
-          </a:ln>
-        </p:spPr>
-        <p:txBody>
-          <a:bodyPr anchorCtr="0" anchor="ctr" bIns="91425" lIns="91425" rIns="91425" tIns="91425">
+          <p:cNvSpPr txBox="1"/>
+          <p:nvPr>
+            <p:ph type="title"/>
+          </p:nvPr>
+        </p:nvSpPr>
+        <p:spPr>
+          <a:xfrm>
+            <a:off x="311700" y="445025"/>
+            <a:ext cx="8520599" cy="572699"/>
+          </a:xfrm>
+          <a:prstGeom prst="rect">
+            <a:avLst/>
+          </a:prstGeom>
+        </p:spPr>
+        <p:txBody>
+          <a:bodyPr anchorCtr="0" anchor="t" bIns="91425" lIns="91425" rIns="91425" tIns="91425">
             <a:noAutofit/>
           </a:bodyPr>
           <a:lstStyle/>
@@ -4276,9 +4266,9 @@
               <a:buNone/>
             </a:pPr>
             <a:r>
-              <a:t/>
-            </a:r>
-            <a:endParaRPr/>
+              <a:rPr lang="en"/>
+              <a:t>Toymodel &amp; Full FBA model</a:t>
+            </a:r>
           </a:p>
         </p:txBody>
       </p:sp>
@@ -4287,326 +4277,13 @@
           <p:cNvPr id="51" name="Shape 51"/>
           <p:cNvSpPr txBox="1"/>
           <p:nvPr>
-            <p:ph type="ctrTitle"/>
+            <p:ph idx="4294967295" type="body"/>
           </p:nvPr>
         </p:nvSpPr>
         <p:spPr>
           <a:xfrm>
-            <a:off x="311700" y="101650"/>
-            <a:ext cx="8520599" cy="1172699"/>
-          </a:xfrm>
-          <a:prstGeom prst="rect">
-            <a:avLst/>
-          </a:prstGeom>
-        </p:spPr>
-        <p:txBody>
-          <a:bodyPr anchorCtr="0" anchor="b" bIns="91425" lIns="91425" rIns="91425" tIns="91425">
-            <a:noAutofit/>
-          </a:bodyPr>
-          <a:lstStyle/>
-          <a:p>
-            <a:pPr lvl="0" rtl="0">
-              <a:spcBef>
-                <a:spcPts val="0"/>
-              </a:spcBef>
-              <a:buNone/>
-            </a:pPr>
-            <a:r>
-              <a:rPr lang="en"/>
-              <a:t>FBA Submodel </a:t>
-            </a:r>
-          </a:p>
-        </p:txBody>
-      </p:sp>
-      <p:sp>
-        <p:nvSpPr>
-          <p:cNvPr id="52" name="Shape 52"/>
-          <p:cNvSpPr/>
-          <p:nvPr/>
-        </p:nvSpPr>
-        <p:spPr>
-          <a:xfrm>
-            <a:off x="1285900" y="2362425"/>
-            <a:ext cx="930000" cy="539700"/>
-          </a:xfrm>
-          <a:prstGeom prst="roundRect">
-            <a:avLst>
-              <a:gd fmla="val 16667" name="adj"/>
-            </a:avLst>
-          </a:prstGeom>
-          <a:solidFill>
-            <a:schemeClr val="lt2"/>
-          </a:solidFill>
-          <a:ln cap="flat" cmpd="sng" w="9525">
-            <a:solidFill>
-              <a:schemeClr val="dk2"/>
-            </a:solidFill>
-            <a:prstDash val="solid"/>
-            <a:round/>
-            <a:headEnd len="med" w="med" type="none"/>
-            <a:tailEnd len="med" w="med" type="none"/>
-          </a:ln>
-        </p:spPr>
-        <p:txBody>
-          <a:bodyPr anchorCtr="0" anchor="ctr" bIns="91425" lIns="91425" rIns="91425" tIns="91425">
-            <a:noAutofit/>
-          </a:bodyPr>
-          <a:lstStyle/>
-          <a:p>
-            <a:pPr algn="ctr">
-              <a:spcBef>
-                <a:spcPts val="0"/>
-              </a:spcBef>
-              <a:buNone/>
-            </a:pPr>
-            <a:r>
-              <a:rPr lang="en"/>
-              <a:t>A</a:t>
-            </a:r>
-          </a:p>
-        </p:txBody>
-      </p:sp>
-      <p:sp>
-        <p:nvSpPr>
-          <p:cNvPr id="53" name="Shape 53"/>
-          <p:cNvSpPr/>
-          <p:nvPr/>
-        </p:nvSpPr>
-        <p:spPr>
-          <a:xfrm>
-            <a:off x="3044087" y="2362425"/>
-            <a:ext cx="930000" cy="539700"/>
-          </a:xfrm>
-          <a:prstGeom prst="roundRect">
-            <a:avLst>
-              <a:gd fmla="val 16667" name="adj"/>
-            </a:avLst>
-          </a:prstGeom>
-          <a:solidFill>
-            <a:schemeClr val="lt2"/>
-          </a:solidFill>
-          <a:ln cap="flat" cmpd="sng" w="9525">
-            <a:solidFill>
-              <a:schemeClr val="dk2"/>
-            </a:solidFill>
-            <a:prstDash val="solid"/>
-            <a:round/>
-            <a:headEnd len="med" w="med" type="none"/>
-            <a:tailEnd len="med" w="med" type="none"/>
-          </a:ln>
-        </p:spPr>
-        <p:txBody>
-          <a:bodyPr anchorCtr="0" anchor="ctr" bIns="91425" lIns="91425" rIns="91425" tIns="91425">
-            <a:noAutofit/>
-          </a:bodyPr>
-          <a:lstStyle/>
-          <a:p>
-            <a:pPr lvl="0" rtl="0" algn="ctr">
-              <a:spcBef>
-                <a:spcPts val="0"/>
-              </a:spcBef>
-              <a:buNone/>
-            </a:pPr>
-            <a:r>
-              <a:rPr lang="en"/>
-              <a:t>B1</a:t>
-            </a:r>
-          </a:p>
-        </p:txBody>
-      </p:sp>
-      <p:sp>
-        <p:nvSpPr>
-          <p:cNvPr id="54" name="Shape 54"/>
-          <p:cNvSpPr/>
-          <p:nvPr/>
-        </p:nvSpPr>
-        <p:spPr>
-          <a:xfrm>
-            <a:off x="6458650" y="2362425"/>
-            <a:ext cx="930000" cy="539700"/>
-          </a:xfrm>
-          <a:prstGeom prst="roundRect">
-            <a:avLst>
-              <a:gd fmla="val 16667" name="adj"/>
-            </a:avLst>
-          </a:prstGeom>
-          <a:solidFill>
-            <a:schemeClr val="lt2"/>
-          </a:solidFill>
-          <a:ln cap="flat" cmpd="sng" w="9525">
-            <a:solidFill>
-              <a:schemeClr val="dk2"/>
-            </a:solidFill>
-            <a:prstDash val="solid"/>
-            <a:round/>
-            <a:headEnd len="med" w="med" type="none"/>
-            <a:tailEnd len="med" w="med" type="none"/>
-          </a:ln>
-        </p:spPr>
-        <p:txBody>
-          <a:bodyPr anchorCtr="0" anchor="ctr" bIns="91425" lIns="91425" rIns="91425" tIns="91425">
-            <a:noAutofit/>
-          </a:bodyPr>
-          <a:lstStyle/>
-          <a:p>
-            <a:pPr lvl="0" rtl="0" algn="ctr">
-              <a:spcBef>
-                <a:spcPts val="0"/>
-              </a:spcBef>
-              <a:buNone/>
-            </a:pPr>
-            <a:r>
-              <a:rPr lang="en"/>
-              <a:t>C</a:t>
-            </a:r>
-          </a:p>
-        </p:txBody>
-      </p:sp>
-      <p:cxnSp>
-        <p:nvCxnSpPr>
-          <p:cNvPr id="55" name="Shape 55"/>
-          <p:cNvCxnSpPr>
-            <a:stCxn id="52" idx="3"/>
-            <a:endCxn id="53" idx="1"/>
-          </p:cNvCxnSpPr>
-          <p:nvPr/>
-        </p:nvCxnSpPr>
-        <p:spPr>
-          <a:xfrm>
-            <a:off x="2215900" y="2632275"/>
-            <a:ext cx="828300" cy="0"/>
-          </a:xfrm>
-          <a:prstGeom prst="straightConnector1">
-            <a:avLst/>
-          </a:prstGeom>
-          <a:noFill/>
-          <a:ln cap="flat" cmpd="sng" w="9525">
-            <a:solidFill>
-              <a:schemeClr val="dk2"/>
-            </a:solidFill>
-            <a:prstDash val="solid"/>
-            <a:round/>
-            <a:headEnd len="lg" w="lg" type="none"/>
-            <a:tailEnd len="lg" w="lg" type="triangle"/>
-          </a:ln>
-        </p:spPr>
-      </p:cxnSp>
-      <p:cxnSp>
-        <p:nvCxnSpPr>
-          <p:cNvPr id="56" name="Shape 56"/>
-          <p:cNvCxnSpPr>
-            <a:stCxn id="57" idx="3"/>
-            <a:endCxn id="54" idx="1"/>
-          </p:cNvCxnSpPr>
-          <p:nvPr/>
-        </p:nvCxnSpPr>
-        <p:spPr>
-          <a:xfrm>
-            <a:off x="5438750" y="2632275"/>
-            <a:ext cx="1020000" cy="0"/>
-          </a:xfrm>
-          <a:prstGeom prst="straightConnector1">
-            <a:avLst/>
-          </a:prstGeom>
-          <a:noFill/>
-          <a:ln cap="flat" cmpd="sng" w="9525">
-            <a:solidFill>
-              <a:schemeClr val="dk2"/>
-            </a:solidFill>
-            <a:prstDash val="solid"/>
-            <a:round/>
-            <a:headEnd len="lg" w="lg" type="none"/>
-            <a:tailEnd len="lg" w="lg" type="triangle"/>
-          </a:ln>
-        </p:spPr>
-      </p:cxnSp>
-      <p:sp>
-        <p:nvSpPr>
-          <p:cNvPr id="57" name="Shape 57"/>
-          <p:cNvSpPr/>
-          <p:nvPr/>
-        </p:nvSpPr>
-        <p:spPr>
-          <a:xfrm>
-            <a:off x="4508750" y="2362425"/>
-            <a:ext cx="930000" cy="539700"/>
-          </a:xfrm>
-          <a:prstGeom prst="roundRect">
-            <a:avLst>
-              <a:gd fmla="val 16667" name="adj"/>
-            </a:avLst>
-          </a:prstGeom>
-          <a:solidFill>
-            <a:schemeClr val="lt2"/>
-          </a:solidFill>
-          <a:ln cap="flat" cmpd="sng" w="9525">
-            <a:solidFill>
-              <a:schemeClr val="dk2"/>
-            </a:solidFill>
-            <a:prstDash val="solid"/>
-            <a:round/>
-            <a:headEnd len="med" w="med" type="none"/>
-            <a:tailEnd len="med" w="med" type="none"/>
-          </a:ln>
-        </p:spPr>
-        <p:txBody>
-          <a:bodyPr anchorCtr="0" anchor="ctr" bIns="91425" lIns="91425" rIns="91425" tIns="91425">
-            <a:noAutofit/>
-          </a:bodyPr>
-          <a:lstStyle/>
-          <a:p>
-            <a:pPr lvl="0" rtl="0" algn="ctr">
-              <a:spcBef>
-                <a:spcPts val="0"/>
-              </a:spcBef>
-              <a:buNone/>
-            </a:pPr>
-            <a:r>
-              <a:rPr lang="en"/>
-              <a:t>B2</a:t>
-            </a:r>
-          </a:p>
-        </p:txBody>
-      </p:sp>
-      <p:cxnSp>
-        <p:nvCxnSpPr>
-          <p:cNvPr id="58" name="Shape 58"/>
-          <p:cNvCxnSpPr>
-            <a:stCxn id="53" idx="3"/>
-            <a:endCxn id="57" idx="1"/>
-          </p:cNvCxnSpPr>
-          <p:nvPr/>
-        </p:nvCxnSpPr>
-        <p:spPr>
-          <a:xfrm>
-            <a:off x="3974087" y="2632275"/>
-            <a:ext cx="534600" cy="0"/>
-          </a:xfrm>
-          <a:prstGeom prst="straightConnector1">
-            <a:avLst/>
-          </a:prstGeom>
-          <a:noFill/>
-          <a:ln cap="flat" cmpd="sng" w="9525">
-            <a:solidFill>
-              <a:schemeClr val="dk2"/>
-            </a:solidFill>
-            <a:prstDash val="solid"/>
-            <a:round/>
-            <a:headEnd len="lg" w="lg" type="none"/>
-            <a:tailEnd len="lg" w="lg" type="triangle"/>
-          </a:ln>
-        </p:spPr>
-      </p:cxnSp>
-      <p:sp>
-        <p:nvSpPr>
-          <p:cNvPr id="59" name="Shape 59"/>
-          <p:cNvSpPr txBox="1"/>
-          <p:nvPr/>
-        </p:nvSpPr>
-        <p:spPr>
-          <a:xfrm>
-            <a:off x="5627200" y="2255625"/>
-            <a:ext cx="828300" cy="600899"/>
+            <a:off x="311700" y="1152475"/>
+            <a:ext cx="8520599" cy="3416400"/>
           </a:xfrm>
           <a:prstGeom prst="rect">
             <a:avLst/>
@@ -4622,6 +4299,324 @@
           </a:bodyPr>
           <a:lstStyle/>
           <a:p>
+            <a:pPr rtl="0" algn="l">
+              <a:spcBef>
+                <a:spcPts val="0"/>
+              </a:spcBef>
+              <a:spcAft>
+                <a:spcPts val="0"/>
+              </a:spcAft>
+              <a:buNone/>
+            </a:pPr>
+            <a:r>
+              <a:rPr lang="en" sz="1400" u="sng">
+                <a:solidFill>
+                  <a:schemeClr val="hlink"/>
+                </a:solidFill>
+                <a:hlinkClick r:id="rId3"/>
+              </a:rPr>
+              <a:t>https://github.com/dagwa/wholecell-metabolism.git</a:t>
+            </a:r>
+          </a:p>
+          <a:p>
+            <a:pPr rtl="0" algn="l">
+              <a:spcBef>
+                <a:spcPts val="0"/>
+              </a:spcBef>
+              <a:spcAft>
+                <a:spcPts val="0"/>
+              </a:spcAft>
+              <a:buNone/>
+            </a:pPr>
+            <a:r>
+              <a:t/>
+            </a:r>
+            <a:endParaRPr b="1" sz="1400">
+              <a:solidFill>
+                <a:srgbClr val="000000"/>
+              </a:solidFill>
+            </a:endParaRPr>
+          </a:p>
+          <a:p>
+            <a:pPr rtl="0" algn="l">
+              <a:spcBef>
+                <a:spcPts val="0"/>
+              </a:spcBef>
+              <a:spcAft>
+                <a:spcPts val="0"/>
+              </a:spcAft>
+              <a:buNone/>
+            </a:pPr>
+            <a:r>
+              <a:rPr b="1" lang="en" sz="1400">
+                <a:solidFill>
+                  <a:srgbClr val="000000"/>
+                </a:solidFill>
+              </a:rPr>
+              <a:t>Toymodel</a:t>
+            </a:r>
+          </a:p>
+          <a:p>
+            <a:pPr rtl="0" algn="l">
+              <a:spcBef>
+                <a:spcPts val="0"/>
+              </a:spcBef>
+              <a:spcAft>
+                <a:spcPts val="0"/>
+              </a:spcAft>
+              <a:buNone/>
+            </a:pPr>
+            <a:r>
+              <a:rPr lang="en" sz="1400" u="sng">
+                <a:solidFill>
+                  <a:schemeClr val="hlink"/>
+                </a:solidFill>
+                <a:hlinkClick r:id="rId4"/>
+              </a:rPr>
+              <a:t>https://github.com/dagwa/wholecell-metabolism/tree/master/mkoenig/python/metabolism/toymodel</a:t>
+            </a:r>
+          </a:p>
+          <a:p>
+            <a:pPr rtl="0" algn="l">
+              <a:spcBef>
+                <a:spcPts val="0"/>
+              </a:spcBef>
+              <a:spcAft>
+                <a:spcPts val="0"/>
+              </a:spcAft>
+              <a:buNone/>
+            </a:pPr>
+            <a:r>
+              <a:rPr lang="en" sz="1400">
+                <a:solidFill>
+                  <a:srgbClr val="000000"/>
+                </a:solidFill>
+              </a:rPr>
+              <a:t>toy_comp.xml</a:t>
+            </a:r>
+          </a:p>
+          <a:p>
+            <a:pPr rtl="0" algn="l">
+              <a:spcBef>
+                <a:spcPts val="0"/>
+              </a:spcBef>
+              <a:spcAft>
+                <a:spcPts val="0"/>
+              </a:spcAft>
+              <a:buNone/>
+            </a:pPr>
+            <a:r>
+              <a:rPr lang="en" sz="1400">
+                <a:solidFill>
+                  <a:srgbClr val="000000"/>
+                </a:solidFill>
+              </a:rPr>
+              <a:t>	toy_ode_model.xml</a:t>
+            </a:r>
+          </a:p>
+          <a:p>
+            <a:pPr rtl="0" algn="l">
+              <a:spcBef>
+                <a:spcPts val="0"/>
+              </a:spcBef>
+              <a:spcAft>
+                <a:spcPts val="0"/>
+              </a:spcAft>
+              <a:buNone/>
+            </a:pPr>
+            <a:r>
+              <a:rPr lang="en" sz="1400">
+                <a:solidFill>
+                  <a:srgbClr val="000000"/>
+                </a:solidFill>
+              </a:rPr>
+              <a:t>	toy_ode_update.xml</a:t>
+            </a:r>
+          </a:p>
+          <a:p>
+            <a:pPr rtl="0" algn="l">
+              <a:spcBef>
+                <a:spcPts val="0"/>
+              </a:spcBef>
+              <a:spcAft>
+                <a:spcPts val="0"/>
+              </a:spcAft>
+              <a:buNone/>
+            </a:pPr>
+            <a:r>
+              <a:rPr lang="en" sz="1400">
+                <a:solidFill>
+                  <a:srgbClr val="000000"/>
+                </a:solidFill>
+              </a:rPr>
+              <a:t>	toy_ode_bounds.xml</a:t>
+            </a:r>
+          </a:p>
+          <a:p>
+            <a:pPr rtl="0" algn="l">
+              <a:spcBef>
+                <a:spcPts val="0"/>
+              </a:spcBef>
+              <a:spcAft>
+                <a:spcPts val="0"/>
+              </a:spcAft>
+              <a:buNone/>
+            </a:pPr>
+            <a:r>
+              <a:rPr lang="en" sz="1400">
+                <a:solidFill>
+                  <a:srgbClr val="000000"/>
+                </a:solidFill>
+              </a:rPr>
+              <a:t>toy_fba.xml</a:t>
+            </a:r>
+          </a:p>
+          <a:p>
+            <a:pPr lvl="0" rtl="0" algn="l">
+              <a:spcBef>
+                <a:spcPts val="0"/>
+              </a:spcBef>
+              <a:spcAft>
+                <a:spcPts val="0"/>
+              </a:spcAft>
+              <a:buNone/>
+            </a:pPr>
+            <a:r>
+              <a:t/>
+            </a:r>
+            <a:endParaRPr b="1" sz="1400">
+              <a:solidFill>
+                <a:schemeClr val="dk1"/>
+              </a:solidFill>
+            </a:endParaRPr>
+          </a:p>
+          <a:p>
+            <a:pPr lvl="0" rtl="0" algn="l">
+              <a:spcBef>
+                <a:spcPts val="0"/>
+              </a:spcBef>
+              <a:spcAft>
+                <a:spcPts val="0"/>
+              </a:spcAft>
+              <a:buNone/>
+            </a:pPr>
+            <a:r>
+              <a:rPr b="1" lang="en" sz="1400">
+                <a:solidFill>
+                  <a:schemeClr val="dk1"/>
+                </a:solidFill>
+              </a:rPr>
+              <a:t>Full FBA model</a:t>
+            </a:r>
+          </a:p>
+          <a:p>
+            <a:pPr lvl="0" rtl="0" algn="l">
+              <a:spcBef>
+                <a:spcPts val="0"/>
+              </a:spcBef>
+              <a:spcAft>
+                <a:spcPts val="0"/>
+              </a:spcAft>
+              <a:buNone/>
+            </a:pPr>
+            <a:r>
+              <a:rPr lang="en" sz="1400" u="sng">
+                <a:solidFill>
+                  <a:schemeClr val="hlink"/>
+                </a:solidFill>
+                <a:hlinkClick r:id="rId5"/>
+              </a:rPr>
+              <a:t>https://github.com/dagwa/wholecell-metabolism/tree/master/mkoenig/results</a:t>
+            </a:r>
+          </a:p>
+          <a:p>
+            <a:pPr lvl="0" rtl="0" algn="l">
+              <a:spcBef>
+                <a:spcPts val="0"/>
+              </a:spcBef>
+              <a:spcAft>
+                <a:spcPts val="0"/>
+              </a:spcAft>
+              <a:buNone/>
+            </a:pPr>
+            <a:r>
+              <a:rPr lang="en" sz="1100" u="sng">
+                <a:solidFill>
+                  <a:schemeClr val="hlink"/>
+                </a:solidFill>
+                <a:hlinkClick r:id="rId6"/>
+              </a:rPr>
+              <a:t>Metabolism_matrices_08_L3V1.xml</a:t>
+            </a:r>
+          </a:p>
+          <a:p>
+            <a:pPr lvl="0" rtl="0" algn="l">
+              <a:spcBef>
+                <a:spcPts val="0"/>
+              </a:spcBef>
+              <a:spcAft>
+                <a:spcPts val="0"/>
+              </a:spcAft>
+              <a:buNone/>
+            </a:pPr>
+            <a:r>
+              <a:rPr lang="en" sz="1100" u="sng">
+                <a:solidFill>
+                  <a:schemeClr val="hlink"/>
+                </a:solidFill>
+                <a:hlinkClick r:id="rId7"/>
+              </a:rPr>
+              <a:t>Metabolism_matrices_annotated_08_L3V1.xml</a:t>
+            </a:r>
+          </a:p>
+          <a:p>
+            <a:pPr lvl="0" rtl="0" algn="l">
+              <a:spcBef>
+                <a:spcPts val="0"/>
+              </a:spcBef>
+              <a:spcAft>
+                <a:spcPts val="0"/>
+              </a:spcAft>
+              <a:buClr>
+                <a:schemeClr val="dk1"/>
+              </a:buClr>
+              <a:buFont typeface="Arial"/>
+              <a:buNone/>
+            </a:pPr>
+            <a:r>
+              <a:t/>
+            </a:r>
+            <a:endParaRPr sz="1400">
+              <a:solidFill>
+                <a:schemeClr val="dk1"/>
+              </a:solidFill>
+            </a:endParaRPr>
+          </a:p>
+          <a:p>
+            <a:pPr rtl="0" algn="l">
+              <a:spcBef>
+                <a:spcPts val="0"/>
+              </a:spcBef>
+              <a:buNone/>
+            </a:pPr>
+            <a:r>
+              <a:t/>
+            </a:r>
+            <a:endParaRPr sz="1400"/>
+          </a:p>
+          <a:p>
+            <a:pPr rtl="0" algn="l">
+              <a:spcBef>
+                <a:spcPts val="0"/>
+              </a:spcBef>
+              <a:buNone/>
+            </a:pPr>
+            <a:r>
+              <a:t/>
+            </a:r>
+            <a:endParaRPr sz="1400"/>
+          </a:p>
+          <a:p>
             <a:pPr>
               <a:spcBef>
                 <a:spcPts val="0"/>
@@ -4629,85 +4624,9 @@
               <a:buNone/>
             </a:pPr>
             <a:r>
-              <a:rPr lang="en"/>
-              <a:t>R3: r3</a:t>
-            </a:r>
-          </a:p>
-        </p:txBody>
-      </p:sp>
-      <p:sp>
-        <p:nvSpPr>
-          <p:cNvPr id="60" name="Shape 60"/>
-          <p:cNvSpPr txBox="1"/>
-          <p:nvPr/>
-        </p:nvSpPr>
-        <p:spPr>
-          <a:xfrm>
-            <a:off x="2087875" y="2179575"/>
-            <a:ext cx="1020000" cy="452700"/>
-          </a:xfrm>
-          <a:prstGeom prst="rect">
-            <a:avLst/>
-          </a:prstGeom>
-          <a:noFill/>
-          <a:ln>
-            <a:noFill/>
-          </a:ln>
-        </p:spPr>
-        <p:txBody>
-          <a:bodyPr anchorCtr="0" anchor="t" bIns="91425" lIns="91425" rIns="91425" tIns="91425">
-            <a:noAutofit/>
-          </a:bodyPr>
-          <a:lstStyle/>
-          <a:p>
-            <a:pPr>
-              <a:spcBef>
-                <a:spcPts val="0"/>
-              </a:spcBef>
-              <a:buNone/>
-            </a:pPr>
-            <a:r>
-              <a:rPr lang="en"/>
-              <a:t>R1 &lt;= r1</a:t>
-            </a:r>
-          </a:p>
-        </p:txBody>
-      </p:sp>
-      <p:sp>
-        <p:nvSpPr>
-          <p:cNvPr id="61" name="Shape 61"/>
-          <p:cNvSpPr txBox="1"/>
-          <p:nvPr/>
-        </p:nvSpPr>
-        <p:spPr>
-          <a:xfrm>
-            <a:off x="4075525" y="2234475"/>
-            <a:ext cx="828300" cy="452700"/>
-          </a:xfrm>
-          <a:prstGeom prst="rect">
-            <a:avLst/>
-          </a:prstGeom>
-          <a:noFill/>
-          <a:ln>
-            <a:noFill/>
-          </a:ln>
-        </p:spPr>
-        <p:txBody>
-          <a:bodyPr anchorCtr="0" anchor="t" bIns="91425" lIns="91425" rIns="91425" tIns="91425">
-            <a:noAutofit/>
-          </a:bodyPr>
-          <a:lstStyle/>
-          <a:p>
-            <a:pPr lvl="0" rtl="0">
-              <a:spcBef>
-                <a:spcPts val="0"/>
-              </a:spcBef>
-              <a:buNone/>
-            </a:pPr>
-            <a:r>
-              <a:rPr lang="en"/>
-              <a:t>R2</a:t>
-            </a:r>
+              <a:t/>
+            </a:r>
+            <a:endParaRPr/>
           </a:p>
         </p:txBody>
       </p:sp>
@@ -4727,7 +4646,7 @@
   <p:cSld>
     <p:spTree>
       <p:nvGrpSpPr>
-        <p:cNvPr id="65" name="Shape 65"/>
+        <p:cNvPr id="55" name="Shape 55"/>
         <p:cNvGrpSpPr/>
         <p:nvPr/>
       </p:nvGrpSpPr>
@@ -4741,93 +4660,17 @@
       </p:grpSpPr>
       <p:sp>
         <p:nvSpPr>
-          <p:cNvPr id="66" name="Shape 66"/>
-          <p:cNvSpPr txBox="1"/>
-          <p:nvPr>
-            <p:ph type="ctrTitle"/>
-          </p:nvPr>
-        </p:nvSpPr>
-        <p:spPr>
-          <a:xfrm>
-            <a:off x="311700" y="101650"/>
-            <a:ext cx="8520599" cy="1172699"/>
-          </a:xfrm>
-          <a:prstGeom prst="rect">
-            <a:avLst/>
-          </a:prstGeom>
-        </p:spPr>
-        <p:txBody>
-          <a:bodyPr anchorCtr="0" anchor="b" bIns="91425" lIns="91425" rIns="91425" tIns="91425">
-            <a:noAutofit/>
-          </a:bodyPr>
-          <a:lstStyle/>
-          <a:p>
-            <a:pPr lvl="0" rtl="0">
-              <a:spcBef>
-                <a:spcPts val="0"/>
-              </a:spcBef>
-              <a:buNone/>
-            </a:pPr>
-            <a:r>
-              <a:rPr lang="en"/>
-              <a:t>Kinetic Submodel </a:t>
-            </a:r>
-          </a:p>
-        </p:txBody>
-      </p:sp>
-      <p:sp>
-        <p:nvSpPr>
-          <p:cNvPr id="67" name="Shape 67"/>
-          <p:cNvSpPr txBox="1"/>
-          <p:nvPr/>
-        </p:nvSpPr>
-        <p:spPr>
-          <a:xfrm>
-            <a:off x="1225350" y="1981750"/>
-            <a:ext cx="8713799" cy="1016699"/>
-          </a:xfrm>
-          <a:prstGeom prst="rect">
-            <a:avLst/>
-          </a:prstGeom>
-          <a:noFill/>
-          <a:ln>
-            <a:noFill/>
-          </a:ln>
-        </p:spPr>
-        <p:txBody>
-          <a:bodyPr anchorCtr="0" anchor="t" bIns="91425" lIns="91425" rIns="91425" tIns="91425">
-            <a:noAutofit/>
-          </a:bodyPr>
-          <a:lstStyle/>
-          <a:p>
-            <a:pPr>
-              <a:spcBef>
-                <a:spcPts val="0"/>
-              </a:spcBef>
-              <a:buNone/>
-            </a:pPr>
-            <a:r>
-              <a:t/>
-            </a:r>
-            <a:endParaRPr/>
-          </a:p>
-        </p:txBody>
-      </p:sp>
-      <p:sp>
-        <p:nvSpPr>
-          <p:cNvPr id="68" name="Shape 68"/>
+          <p:cNvPr id="56" name="Shape 56"/>
           <p:cNvSpPr/>
           <p:nvPr/>
         </p:nvSpPr>
         <p:spPr>
           <a:xfrm>
-            <a:off x="1716500" y="2112075"/>
-            <a:ext cx="930000" cy="539700"/>
-          </a:xfrm>
-          <a:prstGeom prst="roundRect">
-            <a:avLst>
-              <a:gd fmla="val 16667" name="adj"/>
-            </a:avLst>
+            <a:off x="2843875" y="1662600"/>
+            <a:ext cx="2986799" cy="2123100"/>
+          </a:xfrm>
+          <a:prstGeom prst="rect">
+            <a:avLst/>
           </a:prstGeom>
           <a:solidFill>
             <a:schemeClr val="lt2"/>
@@ -4848,7 +4691,43 @@
           </a:bodyPr>
           <a:lstStyle/>
           <a:p>
-            <a:pPr lvl="0" rtl="0" algn="ctr">
+            <a:pPr>
+              <a:spcBef>
+                <a:spcPts val="0"/>
+              </a:spcBef>
+              <a:buNone/>
+            </a:pPr>
+            <a:r>
+              <a:t/>
+            </a:r>
+            <a:endParaRPr/>
+          </a:p>
+        </p:txBody>
+      </p:sp>
+      <p:sp>
+        <p:nvSpPr>
+          <p:cNvPr id="57" name="Shape 57"/>
+          <p:cNvSpPr txBox="1"/>
+          <p:nvPr>
+            <p:ph type="ctrTitle"/>
+          </p:nvPr>
+        </p:nvSpPr>
+        <p:spPr>
+          <a:xfrm>
+            <a:off x="311700" y="101650"/>
+            <a:ext cx="8520599" cy="1172699"/>
+          </a:xfrm>
+          <a:prstGeom prst="rect">
+            <a:avLst/>
+          </a:prstGeom>
+        </p:spPr>
+        <p:txBody>
+          <a:bodyPr anchorCtr="0" anchor="b" bIns="91425" lIns="91425" rIns="91425" tIns="91425">
+            <a:noAutofit/>
+          </a:bodyPr>
+          <a:lstStyle/>
+          <a:p>
+            <a:pPr lvl="0" rtl="0">
               <a:spcBef>
                 <a:spcPts val="0"/>
               </a:spcBef>
@@ -4856,20 +4735,20 @@
             </a:pPr>
             <a:r>
               <a:rPr lang="en"/>
-              <a:t>C</a:t>
-            </a:r>
-          </a:p>
-        </p:txBody>
-      </p:sp>
-      <p:sp>
-        <p:nvSpPr>
-          <p:cNvPr id="69" name="Shape 69"/>
+              <a:t>FBA Submodel </a:t>
+            </a:r>
+          </a:p>
+        </p:txBody>
+      </p:sp>
+      <p:sp>
+        <p:nvSpPr>
+          <p:cNvPr id="58" name="Shape 58"/>
           <p:cNvSpPr/>
           <p:nvPr/>
         </p:nvSpPr>
         <p:spPr>
           <a:xfrm>
-            <a:off x="3935600" y="2112075"/>
+            <a:off x="1285900" y="2362425"/>
             <a:ext cx="930000" cy="539700"/>
           </a:xfrm>
           <a:prstGeom prst="roundRect">
@@ -4896,6 +4775,54 @@
           </a:bodyPr>
           <a:lstStyle/>
           <a:p>
+            <a:pPr algn="ctr">
+              <a:spcBef>
+                <a:spcPts val="0"/>
+              </a:spcBef>
+              <a:buNone/>
+            </a:pPr>
+            <a:r>
+              <a:rPr lang="en"/>
+              <a:t>A</a:t>
+            </a:r>
+          </a:p>
+        </p:txBody>
+      </p:sp>
+      <p:sp>
+        <p:nvSpPr>
+          <p:cNvPr id="59" name="Shape 59"/>
+          <p:cNvSpPr/>
+          <p:nvPr/>
+        </p:nvSpPr>
+        <p:spPr>
+          <a:xfrm>
+            <a:off x="3044087" y="2362425"/>
+            <a:ext cx="930000" cy="539700"/>
+          </a:xfrm>
+          <a:prstGeom prst="roundRect">
+            <a:avLst>
+              <a:gd fmla="val 16667" name="adj"/>
+            </a:avLst>
+          </a:prstGeom>
+          <a:solidFill>
+            <a:schemeClr val="lt2"/>
+          </a:solidFill>
+          <a:ln cap="flat" cmpd="sng" w="9525">
+            <a:solidFill>
+              <a:schemeClr val="dk2"/>
+            </a:solidFill>
+            <a:prstDash val="solid"/>
+            <a:round/>
+            <a:headEnd len="med" w="med" type="none"/>
+            <a:tailEnd len="med" w="med" type="none"/>
+          </a:ln>
+        </p:spPr>
+        <p:txBody>
+          <a:bodyPr anchorCtr="0" anchor="ctr" bIns="91425" lIns="91425" rIns="91425" tIns="91425">
+            <a:noAutofit/>
+          </a:bodyPr>
+          <a:lstStyle/>
+          <a:p>
             <a:pPr lvl="0" rtl="0" algn="ctr">
               <a:spcBef>
                 <a:spcPts val="0"/>
@@ -4904,24 +4831,72 @@
             </a:pPr>
             <a:r>
               <a:rPr lang="en"/>
-              <a:t>D</a:t>
+              <a:t>B1</a:t>
+            </a:r>
+          </a:p>
+        </p:txBody>
+      </p:sp>
+      <p:sp>
+        <p:nvSpPr>
+          <p:cNvPr id="60" name="Shape 60"/>
+          <p:cNvSpPr/>
+          <p:nvPr/>
+        </p:nvSpPr>
+        <p:spPr>
+          <a:xfrm>
+            <a:off x="6458650" y="2362425"/>
+            <a:ext cx="930000" cy="539700"/>
+          </a:xfrm>
+          <a:prstGeom prst="roundRect">
+            <a:avLst>
+              <a:gd fmla="val 16667" name="adj"/>
+            </a:avLst>
+          </a:prstGeom>
+          <a:solidFill>
+            <a:schemeClr val="lt2"/>
+          </a:solidFill>
+          <a:ln cap="flat" cmpd="sng" w="9525">
+            <a:solidFill>
+              <a:schemeClr val="dk2"/>
+            </a:solidFill>
+            <a:prstDash val="solid"/>
+            <a:round/>
+            <a:headEnd len="med" w="med" type="none"/>
+            <a:tailEnd len="med" w="med" type="none"/>
+          </a:ln>
+        </p:spPr>
+        <p:txBody>
+          <a:bodyPr anchorCtr="0" anchor="ctr" bIns="91425" lIns="91425" rIns="91425" tIns="91425">
+            <a:noAutofit/>
+          </a:bodyPr>
+          <a:lstStyle/>
+          <a:p>
+            <a:pPr lvl="0" rtl="0" algn="ctr">
+              <a:spcBef>
+                <a:spcPts val="0"/>
+              </a:spcBef>
+              <a:buNone/>
+            </a:pPr>
+            <a:r>
+              <a:rPr lang="en"/>
+              <a:t>C</a:t>
             </a:r>
           </a:p>
         </p:txBody>
       </p:sp>
       <p:cxnSp>
         <p:nvCxnSpPr>
-          <p:cNvPr id="70" name="Shape 70"/>
+          <p:cNvPr id="61" name="Shape 61"/>
           <p:cNvCxnSpPr>
-            <a:stCxn id="68" idx="3"/>
-            <a:endCxn id="69" idx="1"/>
+            <a:stCxn id="58" idx="3"/>
+            <a:endCxn id="59" idx="1"/>
           </p:cNvCxnSpPr>
           <p:nvPr/>
         </p:nvCxnSpPr>
         <p:spPr>
           <a:xfrm>
-            <a:off x="2646500" y="2381925"/>
-            <a:ext cx="1289100" cy="0"/>
+            <a:off x="2215900" y="2632275"/>
+            <a:ext cx="828300" cy="0"/>
           </a:xfrm>
           <a:prstGeom prst="straightConnector1">
             <a:avLst/>
@@ -4938,54 +4913,19 @@
           </a:ln>
         </p:spPr>
       </p:cxnSp>
-      <p:sp>
-        <p:nvSpPr>
-          <p:cNvPr id="71" name="Shape 71"/>
-          <p:cNvSpPr txBox="1"/>
-          <p:nvPr/>
-        </p:nvSpPr>
-        <p:spPr>
-          <a:xfrm>
-            <a:off x="2779375" y="1906600"/>
-            <a:ext cx="1059900" cy="452700"/>
-          </a:xfrm>
-          <a:prstGeom prst="rect">
-            <a:avLst/>
-          </a:prstGeom>
-          <a:noFill/>
-          <a:ln>
-            <a:noFill/>
-          </a:ln>
-        </p:spPr>
-        <p:txBody>
-          <a:bodyPr anchorCtr="0" anchor="t" bIns="91425" lIns="91425" rIns="91425" tIns="91425">
-            <a:noAutofit/>
-          </a:bodyPr>
-          <a:lstStyle/>
-          <a:p>
-            <a:pPr lvl="0" rtl="0">
-              <a:spcBef>
-                <a:spcPts val="0"/>
-              </a:spcBef>
-              <a:buNone/>
-            </a:pPr>
-            <a:r>
-              <a:rPr lang="en"/>
-              <a:t>R4: r1*C</a:t>
-            </a:r>
-          </a:p>
-        </p:txBody>
-      </p:sp>
       <p:cxnSp>
         <p:nvCxnSpPr>
-          <p:cNvPr id="72" name="Shape 72"/>
-          <p:cNvCxnSpPr/>
+          <p:cNvPr id="62" name="Shape 62"/>
+          <p:cNvCxnSpPr>
+            <a:stCxn id="63" idx="3"/>
+            <a:endCxn id="60" idx="1"/>
+          </p:cNvCxnSpPr>
           <p:nvPr/>
         </p:nvCxnSpPr>
         <p:spPr>
-          <a:xfrm flipH="1" rot="10800000">
-            <a:off x="325450" y="2381924"/>
-            <a:ext cx="1074000" cy="21000"/>
+          <a:xfrm>
+            <a:off x="5438750" y="2632275"/>
+            <a:ext cx="1020000" cy="0"/>
           </a:xfrm>
           <a:prstGeom prst="straightConnector1">
             <a:avLst/>
@@ -5004,13 +4944,90 @@
       </p:cxnSp>
       <p:sp>
         <p:nvSpPr>
-          <p:cNvPr id="73" name="Shape 73"/>
+          <p:cNvPr id="63" name="Shape 63"/>
+          <p:cNvSpPr/>
+          <p:nvPr/>
+        </p:nvSpPr>
+        <p:spPr>
+          <a:xfrm>
+            <a:off x="4508750" y="2362425"/>
+            <a:ext cx="930000" cy="539700"/>
+          </a:xfrm>
+          <a:prstGeom prst="roundRect">
+            <a:avLst>
+              <a:gd fmla="val 16667" name="adj"/>
+            </a:avLst>
+          </a:prstGeom>
+          <a:solidFill>
+            <a:schemeClr val="lt2"/>
+          </a:solidFill>
+          <a:ln cap="flat" cmpd="sng" w="9525">
+            <a:solidFill>
+              <a:schemeClr val="dk2"/>
+            </a:solidFill>
+            <a:prstDash val="solid"/>
+            <a:round/>
+            <a:headEnd len="med" w="med" type="none"/>
+            <a:tailEnd len="med" w="med" type="none"/>
+          </a:ln>
+        </p:spPr>
+        <p:txBody>
+          <a:bodyPr anchorCtr="0" anchor="ctr" bIns="91425" lIns="91425" rIns="91425" tIns="91425">
+            <a:noAutofit/>
+          </a:bodyPr>
+          <a:lstStyle/>
+          <a:p>
+            <a:pPr lvl="0" rtl="0" algn="ctr">
+              <a:spcBef>
+                <a:spcPts val="0"/>
+              </a:spcBef>
+              <a:buNone/>
+            </a:pPr>
+            <a:r>
+              <a:rPr lang="en"/>
+              <a:t>B2</a:t>
+            </a:r>
+          </a:p>
+        </p:txBody>
+      </p:sp>
+      <p:cxnSp>
+        <p:nvCxnSpPr>
+          <p:cNvPr id="64" name="Shape 64"/>
+          <p:cNvCxnSpPr>
+            <a:stCxn id="59" idx="3"/>
+            <a:endCxn id="63" idx="1"/>
+          </p:cNvCxnSpPr>
+          <p:nvPr/>
+        </p:nvCxnSpPr>
+        <p:spPr>
+          <a:xfrm>
+            <a:off x="3974087" y="2632275"/>
+            <a:ext cx="534600" cy="0"/>
+          </a:xfrm>
+          <a:prstGeom prst="straightConnector1">
+            <a:avLst/>
+          </a:prstGeom>
+          <a:noFill/>
+          <a:ln cap="flat" cmpd="sng" w="9525">
+            <a:solidFill>
+              <a:schemeClr val="dk2"/>
+            </a:solidFill>
+            <a:prstDash val="solid"/>
+            <a:round/>
+            <a:headEnd len="lg" w="lg" type="none"/>
+            <a:tailEnd len="lg" w="lg" type="triangle"/>
+          </a:ln>
+        </p:spPr>
+      </p:cxnSp>
+      <p:sp>
+        <p:nvSpPr>
+          <p:cNvPr id="65" name="Shape 65"/>
           <p:cNvSpPr txBox="1"/>
           <p:nvPr/>
         </p:nvSpPr>
         <p:spPr>
           <a:xfrm>
-            <a:off x="755325" y="2081475"/>
+            <a:off x="5627200" y="2255625"/>
             <a:ext cx="828300" cy="600899"/>
           </a:xfrm>
           <a:prstGeom prst="rect">
@@ -5027,6 +5044,82 @@
           </a:bodyPr>
           <a:lstStyle/>
           <a:p>
+            <a:pPr>
+              <a:spcBef>
+                <a:spcPts val="0"/>
+              </a:spcBef>
+              <a:buNone/>
+            </a:pPr>
+            <a:r>
+              <a:rPr lang="en"/>
+              <a:t>R3</a:t>
+            </a:r>
+          </a:p>
+        </p:txBody>
+      </p:sp>
+      <p:sp>
+        <p:nvSpPr>
+          <p:cNvPr id="66" name="Shape 66"/>
+          <p:cNvSpPr txBox="1"/>
+          <p:nvPr/>
+        </p:nvSpPr>
+        <p:spPr>
+          <a:xfrm>
+            <a:off x="2087875" y="2027175"/>
+            <a:ext cx="1300200" cy="452700"/>
+          </a:xfrm>
+          <a:prstGeom prst="rect">
+            <a:avLst/>
+          </a:prstGeom>
+          <a:noFill/>
+          <a:ln>
+            <a:noFill/>
+          </a:ln>
+        </p:spPr>
+        <p:txBody>
+          <a:bodyPr anchorCtr="0" anchor="t" bIns="91425" lIns="91425" rIns="91425" tIns="91425">
+            <a:noAutofit/>
+          </a:bodyPr>
+          <a:lstStyle/>
+          <a:p>
+            <a:pPr>
+              <a:spcBef>
+                <a:spcPts val="0"/>
+              </a:spcBef>
+              <a:buNone/>
+            </a:pPr>
+            <a:r>
+              <a:rPr lang="en"/>
+              <a:t>R1 &lt;= ub_R1</a:t>
+            </a:r>
+          </a:p>
+        </p:txBody>
+      </p:sp>
+      <p:sp>
+        <p:nvSpPr>
+          <p:cNvPr id="67" name="Shape 67"/>
+          <p:cNvSpPr txBox="1"/>
+          <p:nvPr/>
+        </p:nvSpPr>
+        <p:spPr>
+          <a:xfrm>
+            <a:off x="4075525" y="2234475"/>
+            <a:ext cx="828300" cy="452700"/>
+          </a:xfrm>
+          <a:prstGeom prst="rect">
+            <a:avLst/>
+          </a:prstGeom>
+          <a:noFill/>
+          <a:ln>
+            <a:noFill/>
+          </a:ln>
+        </p:spPr>
+        <p:txBody>
+          <a:bodyPr anchorCtr="0" anchor="t" bIns="91425" lIns="91425" rIns="91425" tIns="91425">
+            <a:noAutofit/>
+          </a:bodyPr>
+          <a:lstStyle/>
+          <a:p>
             <a:pPr lvl="0" rtl="0">
               <a:spcBef>
                 <a:spcPts val="0"/>
@@ -5035,7 +5128,136 @@
             </a:pPr>
             <a:r>
               <a:rPr lang="en"/>
-              <a:t>r3</a:t>
+              <a:t>R2</a:t>
+            </a:r>
+          </a:p>
+        </p:txBody>
+      </p:sp>
+      <p:sp>
+        <p:nvSpPr>
+          <p:cNvPr id="68" name="Shape 68"/>
+          <p:cNvSpPr txBox="1"/>
+          <p:nvPr/>
+        </p:nvSpPr>
+        <p:spPr>
+          <a:xfrm>
+            <a:off x="3965424" y="2610975"/>
+            <a:ext cx="828300" cy="452700"/>
+          </a:xfrm>
+          <a:prstGeom prst="rect">
+            <a:avLst/>
+          </a:prstGeom>
+          <a:noFill/>
+          <a:ln>
+            <a:noFill/>
+          </a:ln>
+        </p:spPr>
+        <p:txBody>
+          <a:bodyPr anchorCtr="0" anchor="t" bIns="91425" lIns="91425" rIns="91425" tIns="91425">
+            <a:noAutofit/>
+          </a:bodyPr>
+          <a:lstStyle/>
+          <a:p>
+            <a:pPr lvl="0" rtl="0">
+              <a:spcBef>
+                <a:spcPts val="0"/>
+              </a:spcBef>
+              <a:buNone/>
+            </a:pPr>
+            <a:r>
+              <a:rPr b="1" lang="en" sz="1000">
+                <a:latin typeface="Courier New"/>
+                <a:ea typeface="Courier New"/>
+                <a:cs typeface="Courier New"/>
+                <a:sym typeface="Courier New"/>
+              </a:rPr>
+              <a:t>v_R2</a:t>
+            </a:r>
+          </a:p>
+        </p:txBody>
+      </p:sp>
+      <p:sp>
+        <p:nvSpPr>
+          <p:cNvPr id="69" name="Shape 69"/>
+          <p:cNvSpPr txBox="1"/>
+          <p:nvPr/>
+        </p:nvSpPr>
+        <p:spPr>
+          <a:xfrm>
+            <a:off x="5534549" y="2610975"/>
+            <a:ext cx="828300" cy="452700"/>
+          </a:xfrm>
+          <a:prstGeom prst="rect">
+            <a:avLst/>
+          </a:prstGeom>
+          <a:noFill/>
+          <a:ln>
+            <a:noFill/>
+          </a:ln>
+        </p:spPr>
+        <p:txBody>
+          <a:bodyPr anchorCtr="0" anchor="t" bIns="91425" lIns="91425" rIns="91425" tIns="91425">
+            <a:noAutofit/>
+          </a:bodyPr>
+          <a:lstStyle/>
+          <a:p>
+            <a:pPr lvl="0" rtl="0">
+              <a:spcBef>
+                <a:spcPts val="0"/>
+              </a:spcBef>
+              <a:buNone/>
+            </a:pPr>
+            <a:r>
+              <a:rPr b="1" lang="en" sz="1000">
+                <a:latin typeface="Courier New"/>
+                <a:ea typeface="Courier New"/>
+                <a:cs typeface="Courier New"/>
+                <a:sym typeface="Courier New"/>
+              </a:rPr>
+              <a:t>v_R3</a:t>
+            </a:r>
+          </a:p>
+        </p:txBody>
+      </p:sp>
+      <p:sp>
+        <p:nvSpPr>
+          <p:cNvPr id="70" name="Shape 70"/>
+          <p:cNvSpPr txBox="1"/>
+          <p:nvPr/>
+        </p:nvSpPr>
+        <p:spPr>
+          <a:xfrm>
+            <a:off x="2316474" y="2610975"/>
+            <a:ext cx="828300" cy="452700"/>
+          </a:xfrm>
+          <a:prstGeom prst="rect">
+            <a:avLst/>
+          </a:prstGeom>
+          <a:noFill/>
+          <a:ln>
+            <a:noFill/>
+          </a:ln>
+        </p:spPr>
+        <p:txBody>
+          <a:bodyPr anchorCtr="0" anchor="t" bIns="91425" lIns="91425" rIns="91425" tIns="91425">
+            <a:noAutofit/>
+          </a:bodyPr>
+          <a:lstStyle/>
+          <a:p>
+            <a:pPr lvl="0" rtl="0">
+              <a:spcBef>
+                <a:spcPts val="0"/>
+              </a:spcBef>
+              <a:buNone/>
+            </a:pPr>
+            <a:r>
+              <a:rPr b="1" lang="en" sz="1000">
+                <a:latin typeface="Courier New"/>
+                <a:ea typeface="Courier New"/>
+                <a:cs typeface="Courier New"/>
+                <a:sym typeface="Courier New"/>
+              </a:rPr>
+              <a:t>v_R1</a:t>
             </a:r>
           </a:p>
         </p:txBody>
@@ -5056,7 +5278,7 @@
   <p:cSld>
     <p:spTree>
       <p:nvGrpSpPr>
-        <p:cNvPr id="77" name="Shape 77"/>
+        <p:cNvPr id="74" name="Shape 74"/>
         <p:cNvGrpSpPr/>
         <p:nvPr/>
       </p:nvGrpSpPr>
@@ -5070,7 +5292,7 @@
       </p:grpSpPr>
       <p:sp>
         <p:nvSpPr>
-          <p:cNvPr id="78" name="Shape 78"/>
+          <p:cNvPr id="75" name="Shape 75"/>
           <p:cNvSpPr txBox="1"/>
           <p:nvPr>
             <p:ph type="ctrTitle"/>
@@ -5078,7 +5300,7 @@
         </p:nvSpPr>
         <p:spPr>
           <a:xfrm>
-            <a:off x="198125" y="135725"/>
+            <a:off x="311700" y="101650"/>
             <a:ext cx="8520599" cy="1172699"/>
           </a:xfrm>
           <a:prstGeom prst="rect">
@@ -5099,21 +5321,21 @@
             </a:pPr>
             <a:r>
               <a:rPr lang="en"/>
-              <a:t>Top-level model</a:t>
-            </a:r>
-          </a:p>
-        </p:txBody>
-      </p:sp>
-      <p:sp>
-        <p:nvSpPr>
-          <p:cNvPr id="79" name="Shape 79"/>
+              <a:t>Kinetic Submodel </a:t>
+            </a:r>
+          </a:p>
+        </p:txBody>
+      </p:sp>
+      <p:sp>
+        <p:nvSpPr>
+          <p:cNvPr id="76" name="Shape 76"/>
           <p:cNvSpPr txBox="1"/>
           <p:nvPr/>
         </p:nvSpPr>
         <p:spPr>
           <a:xfrm>
-            <a:off x="3976050" y="1190825"/>
-            <a:ext cx="2589299" cy="1016699"/>
+            <a:off x="1225350" y="1981750"/>
+            <a:ext cx="8713799" cy="1016699"/>
           </a:xfrm>
           <a:prstGeom prst="rect">
             <a:avLst/>
@@ -5129,31 +5351,55 @@
           </a:bodyPr>
           <a:lstStyle/>
           <a:p>
-            <a:pPr rtl="0">
-              <a:spcBef>
-                <a:spcPts val="0"/>
-              </a:spcBef>
-              <a:buNone/>
-            </a:pPr>
-            <a:r>
-              <a:rPr b="1" lang="en"/>
-              <a:t>Initial Values</a:t>
-            </a:r>
-          </a:p>
-          <a:p>
-            <a:pPr rtl="0">
-              <a:spcBef>
-                <a:spcPts val="0"/>
-              </a:spcBef>
-              <a:buNone/>
-            </a:pPr>
-            <a:r>
-              <a:rPr i="1" lang="en"/>
-              <a:t>Parameters</a:t>
-            </a:r>
-          </a:p>
-          <a:p>
-            <a:pPr lvl="0" rtl="0">
+            <a:pPr>
+              <a:spcBef>
+                <a:spcPts val="0"/>
+              </a:spcBef>
+              <a:buNone/>
+            </a:pPr>
+            <a:r>
+              <a:t/>
+            </a:r>
+            <a:endParaRPr/>
+          </a:p>
+        </p:txBody>
+      </p:sp>
+      <p:sp>
+        <p:nvSpPr>
+          <p:cNvPr id="77" name="Shape 77"/>
+          <p:cNvSpPr/>
+          <p:nvPr/>
+        </p:nvSpPr>
+        <p:spPr>
+          <a:xfrm>
+            <a:off x="1716500" y="2112075"/>
+            <a:ext cx="930000" cy="539700"/>
+          </a:xfrm>
+          <a:prstGeom prst="roundRect">
+            <a:avLst>
+              <a:gd fmla="val 16667" name="adj"/>
+            </a:avLst>
+          </a:prstGeom>
+          <a:solidFill>
+            <a:schemeClr val="lt2"/>
+          </a:solidFill>
+          <a:ln cap="flat" cmpd="sng" w="9525">
+            <a:solidFill>
+              <a:schemeClr val="dk2"/>
+            </a:solidFill>
+            <a:prstDash val="solid"/>
+            <a:round/>
+            <a:headEnd len="med" w="med" type="none"/>
+            <a:tailEnd len="med" w="med" type="none"/>
+          </a:ln>
+        </p:spPr>
+        <p:txBody>
+          <a:bodyPr anchorCtr="0" anchor="ctr" bIns="91425" lIns="91425" rIns="91425" tIns="91425">
+            <a:noAutofit/>
+          </a:bodyPr>
+          <a:lstStyle/>
+          <a:p>
+            <a:pPr lvl="0" rtl="0" algn="ctr">
               <a:spcBef>
                 <a:spcPts val="0"/>
               </a:spcBef>
@@ -5161,11 +5407,47 @@
             </a:pPr>
             <a:r>
               <a:rPr lang="en"/>
-              <a:t>r1 = 1.0</a:t>
-            </a:r>
-          </a:p>
-          <a:p>
-            <a:pPr lvl="0" rtl="0">
+              <a:t>C</a:t>
+            </a:r>
+          </a:p>
+        </p:txBody>
+      </p:sp>
+      <p:sp>
+        <p:nvSpPr>
+          <p:cNvPr id="78" name="Shape 78"/>
+          <p:cNvSpPr/>
+          <p:nvPr/>
+        </p:nvSpPr>
+        <p:spPr>
+          <a:xfrm>
+            <a:off x="3935600" y="2112075"/>
+            <a:ext cx="930000" cy="539700"/>
+          </a:xfrm>
+          <a:prstGeom prst="roundRect">
+            <a:avLst>
+              <a:gd fmla="val 16667" name="adj"/>
+            </a:avLst>
+          </a:prstGeom>
+          <a:solidFill>
+            <a:schemeClr val="lt2"/>
+          </a:solidFill>
+          <a:ln cap="flat" cmpd="sng" w="9525">
+            <a:solidFill>
+              <a:schemeClr val="dk2"/>
+            </a:solidFill>
+            <a:prstDash val="solid"/>
+            <a:round/>
+            <a:headEnd len="med" w="med" type="none"/>
+            <a:tailEnd len="med" w="med" type="none"/>
+          </a:ln>
+        </p:spPr>
+        <p:txBody>
+          <a:bodyPr anchorCtr="0" anchor="ctr" bIns="91425" lIns="91425" rIns="91425" tIns="91425">
+            <a:noAutofit/>
+          </a:bodyPr>
+          <a:lstStyle/>
+          <a:p>
+            <a:pPr lvl="0" rtl="0" algn="ctr">
               <a:spcBef>
                 <a:spcPts val="0"/>
               </a:spcBef>
@@ -5173,203 +5455,40 @@
             </a:pPr>
             <a:r>
               <a:rPr lang="en"/>
-              <a:t>r3 = 0.0</a:t>
-            </a:r>
-          </a:p>
-          <a:p>
-            <a:pPr rtl="0">
-              <a:spcBef>
-                <a:spcPts val="0"/>
-              </a:spcBef>
-              <a:buNone/>
-            </a:pPr>
-            <a:r>
-              <a:rPr lang="en"/>
-              <a:t>ub = 1000</a:t>
-            </a:r>
-          </a:p>
-          <a:p>
-            <a:pPr rtl="0">
-              <a:spcBef>
-                <a:spcPts val="0"/>
-              </a:spcBef>
-              <a:buNone/>
-            </a:pPr>
-            <a:r>
-              <a:rPr lang="en"/>
-              <a:t>lb =  0</a:t>
-            </a:r>
-          </a:p>
-          <a:p>
-            <a:pPr rtl="0">
-              <a:spcBef>
-                <a:spcPts val="0"/>
-              </a:spcBef>
-              <a:buNone/>
-            </a:pPr>
-            <a:r>
-              <a:t/>
-            </a:r>
-            <a:endParaRPr/>
-          </a:p>
-          <a:p>
-            <a:pPr rtl="0">
-              <a:spcBef>
-                <a:spcPts val="0"/>
-              </a:spcBef>
-              <a:buNone/>
-            </a:pPr>
-            <a:r>
-              <a:rPr i="1" lang="en"/>
-              <a:t>Species</a:t>
-            </a:r>
-          </a:p>
-          <a:p>
-            <a:pPr rtl="0">
-              <a:spcBef>
-                <a:spcPts val="0"/>
-              </a:spcBef>
-              <a:buNone/>
-            </a:pPr>
-            <a:r>
-              <a:rPr lang="en"/>
-              <a:t>A   = 10.0</a:t>
-            </a:r>
-          </a:p>
-          <a:p>
-            <a:pPr rtl="0">
-              <a:spcBef>
-                <a:spcPts val="0"/>
-              </a:spcBef>
-              <a:buNone/>
-            </a:pPr>
-            <a:r>
-              <a:rPr lang="en"/>
-              <a:t>B1 =   0.0</a:t>
-            </a:r>
-          </a:p>
-          <a:p>
-            <a:pPr rtl="0">
-              <a:spcBef>
-                <a:spcPts val="0"/>
-              </a:spcBef>
-              <a:buNone/>
-            </a:pPr>
-            <a:r>
-              <a:rPr lang="en"/>
-              <a:t>B2 =   0.0</a:t>
-            </a:r>
-          </a:p>
-          <a:p>
-            <a:pPr rtl="0">
-              <a:spcBef>
-                <a:spcPts val="0"/>
-              </a:spcBef>
-              <a:buNone/>
-            </a:pPr>
-            <a:r>
-              <a:rPr lang="en"/>
-              <a:t>C   =   10.0</a:t>
-            </a:r>
-          </a:p>
-          <a:p>
-            <a:pPr rtl="0">
-              <a:spcBef>
-                <a:spcPts val="0"/>
-              </a:spcBef>
-              <a:buNone/>
-            </a:pPr>
-            <a:r>
-              <a:rPr lang="en"/>
-              <a:t>D   =   0.0</a:t>
-            </a:r>
-          </a:p>
-          <a:p>
-            <a:pPr rtl="0">
-              <a:spcBef>
-                <a:spcPts val="0"/>
-              </a:spcBef>
-              <a:buNone/>
-            </a:pPr>
-            <a:r>
-              <a:t/>
-            </a:r>
-            <a:endParaRPr/>
-          </a:p>
-          <a:p>
-            <a:pPr rtl="0">
-              <a:spcBef>
-                <a:spcPts val="0"/>
-              </a:spcBef>
-              <a:buNone/>
-            </a:pPr>
-            <a:r>
-              <a:rPr i="1" lang="en"/>
-              <a:t>Compartments</a:t>
-            </a:r>
-          </a:p>
-          <a:p>
-            <a:pPr rtl="0">
-              <a:spcBef>
-                <a:spcPts val="0"/>
-              </a:spcBef>
-              <a:buNone/>
-            </a:pPr>
-            <a:r>
-              <a:rPr lang="en"/>
-              <a:t>ext = 1.0</a:t>
-            </a:r>
-          </a:p>
-          <a:p>
-            <a:pPr rtl="0">
-              <a:spcBef>
-                <a:spcPts val="0"/>
-              </a:spcBef>
-              <a:buNone/>
-            </a:pPr>
-            <a:r>
-              <a:rPr lang="en"/>
-              <a:t>cell = 1.0</a:t>
-            </a:r>
-          </a:p>
-          <a:p>
-            <a:pPr rtl="0">
-              <a:spcBef>
-                <a:spcPts val="0"/>
-              </a:spcBef>
-              <a:buNone/>
-            </a:pPr>
-            <a:r>
-              <a:t/>
-            </a:r>
-            <a:endParaRPr i="1"/>
-          </a:p>
-          <a:p>
-            <a:pPr rtl="0">
-              <a:spcBef>
-                <a:spcPts val="0"/>
-              </a:spcBef>
-              <a:buNone/>
-            </a:pPr>
-            <a:r>
-              <a:t/>
-            </a:r>
-            <a:endParaRPr/>
-          </a:p>
-          <a:p>
-            <a:pPr lvl="0" rtl="0">
-              <a:spcBef>
-                <a:spcPts val="0"/>
-              </a:spcBef>
-              <a:buNone/>
-            </a:pPr>
-            <a:r>
-              <a:t/>
-            </a:r>
-            <a:endParaRPr/>
-          </a:p>
-        </p:txBody>
-      </p:sp>
+              <a:t>D</a:t>
+            </a:r>
+          </a:p>
+        </p:txBody>
+      </p:sp>
+      <p:cxnSp>
+        <p:nvCxnSpPr>
+          <p:cNvPr id="79" name="Shape 79"/>
+          <p:cNvCxnSpPr>
+            <a:stCxn id="77" idx="3"/>
+            <a:endCxn id="78" idx="1"/>
+          </p:cNvCxnSpPr>
+          <p:nvPr/>
+        </p:nvCxnSpPr>
+        <p:spPr>
+          <a:xfrm>
+            <a:off x="2646500" y="2381925"/>
+            <a:ext cx="1289100" cy="0"/>
+          </a:xfrm>
+          <a:prstGeom prst="straightConnector1">
+            <a:avLst/>
+          </a:prstGeom>
+          <a:noFill/>
+          <a:ln cap="flat" cmpd="sng" w="9525">
+            <a:solidFill>
+              <a:schemeClr val="dk2"/>
+            </a:solidFill>
+            <a:prstDash val="solid"/>
+            <a:round/>
+            <a:headEnd len="lg" w="lg" type="none"/>
+            <a:tailEnd len="lg" w="lg" type="triangle"/>
+          </a:ln>
+        </p:spPr>
+      </p:cxnSp>
       <p:sp>
         <p:nvSpPr>
           <p:cNvPr id="80" name="Shape 80"/>
@@ -5378,8 +5497,8 @@
         </p:nvSpPr>
         <p:spPr>
           <a:xfrm>
-            <a:off x="5798275" y="1190825"/>
-            <a:ext cx="2589299" cy="1016699"/>
+            <a:off x="2779375" y="1906600"/>
+            <a:ext cx="1350300" cy="452700"/>
           </a:xfrm>
           <a:prstGeom prst="rect">
             <a:avLst/>
@@ -5402,24 +5521,64 @@
               <a:buNone/>
             </a:pPr>
             <a:r>
-              <a:rPr b="1" lang="en"/>
-              <a:t>FluxBounds</a:t>
-            </a:r>
-          </a:p>
-          <a:p>
-            <a:pPr rtl="0">
-              <a:spcBef>
-                <a:spcPts val="0"/>
-              </a:spcBef>
-              <a:buNone/>
-            </a:pPr>
-            <a:r>
               <a:rPr lang="en"/>
-              <a:t>lb &lt;= R1 &lt;= r1</a:t>
-            </a:r>
-          </a:p>
-          <a:p>
-            <a:pPr rtl="0">
+              <a:t>R4: k_R4*C</a:t>
+            </a:r>
+          </a:p>
+        </p:txBody>
+      </p:sp>
+      <p:cxnSp>
+        <p:nvCxnSpPr>
+          <p:cNvPr id="81" name="Shape 81"/>
+          <p:cNvCxnSpPr/>
+          <p:nvPr/>
+        </p:nvCxnSpPr>
+        <p:spPr>
+          <a:xfrm flipH="1" rot="10800000">
+            <a:off x="325450" y="2381924"/>
+            <a:ext cx="1074000" cy="21000"/>
+          </a:xfrm>
+          <a:prstGeom prst="straightConnector1">
+            <a:avLst/>
+          </a:prstGeom>
+          <a:noFill/>
+          <a:ln cap="flat" cmpd="sng" w="9525">
+            <a:solidFill>
+              <a:schemeClr val="dk2"/>
+            </a:solidFill>
+            <a:prstDash val="solid"/>
+            <a:round/>
+            <a:headEnd len="lg" w="lg" type="none"/>
+            <a:tailEnd len="lg" w="lg" type="triangle"/>
+          </a:ln>
+        </p:spPr>
+      </p:cxnSp>
+      <p:sp>
+        <p:nvSpPr>
+          <p:cNvPr id="82" name="Shape 82"/>
+          <p:cNvSpPr txBox="1"/>
+          <p:nvPr/>
+        </p:nvSpPr>
+        <p:spPr>
+          <a:xfrm>
+            <a:off x="602925" y="2005275"/>
+            <a:ext cx="828300" cy="600899"/>
+          </a:xfrm>
+          <a:prstGeom prst="rect">
+            <a:avLst/>
+          </a:prstGeom>
+          <a:noFill/>
+          <a:ln>
+            <a:noFill/>
+          </a:ln>
+        </p:spPr>
+        <p:txBody>
+          <a:bodyPr anchorCtr="0" anchor="t" bIns="91425" lIns="91425" rIns="91425" tIns="91425">
+            <a:noAutofit/>
+          </a:bodyPr>
+          <a:lstStyle/>
+          <a:p>
+            <a:pPr lvl="0" rtl="0">
               <a:spcBef>
                 <a:spcPts val="0"/>
               </a:spcBef>
@@ -5427,9 +5586,35 @@
             </a:pPr>
             <a:r>
               <a:rPr lang="en"/>
-              <a:t>lb &lt;= R2 &lt;= ub</a:t>
-            </a:r>
-          </a:p>
+              <a:t>v_R3</a:t>
+            </a:r>
+          </a:p>
+        </p:txBody>
+      </p:sp>
+      <p:sp>
+        <p:nvSpPr>
+          <p:cNvPr id="83" name="Shape 83"/>
+          <p:cNvSpPr txBox="1"/>
+          <p:nvPr/>
+        </p:nvSpPr>
+        <p:spPr>
+          <a:xfrm>
+            <a:off x="571149" y="2345400"/>
+            <a:ext cx="828300" cy="452700"/>
+          </a:xfrm>
+          <a:prstGeom prst="rect">
+            <a:avLst/>
+          </a:prstGeom>
+          <a:noFill/>
+          <a:ln>
+            <a:noFill/>
+          </a:ln>
+        </p:spPr>
+        <p:txBody>
+          <a:bodyPr anchorCtr="0" anchor="t" bIns="91425" lIns="91425" rIns="91425" tIns="91425">
+            <a:noAutofit/>
+          </a:bodyPr>
+          <a:lstStyle/>
           <a:p>
             <a:pPr lvl="0" rtl="0">
               <a:spcBef>
@@ -5438,133 +5623,14 @@
               <a:buNone/>
             </a:pPr>
             <a:r>
-              <a:rPr lang="en">
-                <a:solidFill>
-                  <a:schemeClr val="dk1"/>
-                </a:solidFill>
+              <a:rPr b="1" lang="en" sz="1000">
+                <a:latin typeface="Courier New"/>
+                <a:ea typeface="Courier New"/>
+                <a:cs typeface="Courier New"/>
+                <a:sym typeface="Courier New"/>
               </a:rPr>
-              <a:t>lb &lt;= R3 &lt;= ub</a:t>
-            </a:r>
-          </a:p>
-          <a:p>
-            <a:pPr lvl="0" rtl="0">
-              <a:spcBef>
-                <a:spcPts val="0"/>
-              </a:spcBef>
-              <a:buNone/>
-            </a:pPr>
-            <a:r>
-              <a:t/>
-            </a:r>
-            <a:endParaRPr>
-              <a:solidFill>
-                <a:schemeClr val="dk1"/>
-              </a:solidFill>
-            </a:endParaRPr>
-          </a:p>
-          <a:p>
-            <a:pPr lvl="0" rtl="0">
-              <a:spcBef>
-                <a:spcPts val="0"/>
-              </a:spcBef>
-              <a:buNone/>
-            </a:pPr>
-            <a:r>
-              <a:rPr b="1" lang="en">
-                <a:solidFill>
-                  <a:schemeClr val="dk1"/>
-                </a:solidFill>
-              </a:rPr>
-              <a:t>Objective</a:t>
-            </a:r>
-          </a:p>
-          <a:p>
-            <a:pPr lvl="0" rtl="0">
-              <a:spcBef>
-                <a:spcPts val="0"/>
-              </a:spcBef>
-              <a:buNone/>
-            </a:pPr>
-            <a:r>
-              <a:rPr lang="en">
-                <a:solidFill>
-                  <a:schemeClr val="dk1"/>
-                </a:solidFill>
-              </a:rPr>
-              <a:t>maximize : 1.0*R3</a:t>
-            </a:r>
-          </a:p>
-          <a:p>
-            <a:pPr lvl="0" rtl="0">
-              <a:spcBef>
-                <a:spcPts val="0"/>
-              </a:spcBef>
-              <a:buNone/>
-            </a:pPr>
-            <a:r>
-              <a:t/>
-            </a:r>
-            <a:endParaRPr>
-              <a:solidFill>
-                <a:schemeClr val="dk1"/>
-              </a:solidFill>
-            </a:endParaRPr>
-          </a:p>
-          <a:p>
-            <a:pPr lvl="0" rtl="0">
-              <a:spcBef>
-                <a:spcPts val="0"/>
-              </a:spcBef>
-              <a:buClr>
-                <a:schemeClr val="dk1"/>
-              </a:buClr>
-              <a:buFont typeface="Arial"/>
-              <a:buNone/>
-            </a:pPr>
-            <a:r>
-              <a:t/>
-            </a:r>
-            <a:endParaRPr>
-              <a:solidFill>
-                <a:schemeClr val="dk1"/>
-              </a:solidFill>
-            </a:endParaRPr>
-          </a:p>
-          <a:p>
-            <a:pPr lvl="0" rtl="0">
-              <a:spcBef>
-                <a:spcPts val="0"/>
-              </a:spcBef>
-              <a:buNone/>
-            </a:pPr>
-            <a:r>
-              <a:t/>
-            </a:r>
-            <a:endParaRPr i="1"/>
-          </a:p>
-          <a:p>
-            <a:pPr lvl="0" rtl="0">
-              <a:spcBef>
-                <a:spcPts val="0"/>
-              </a:spcBef>
-              <a:buNone/>
-            </a:pPr>
-            <a:r>
-              <a:t/>
-            </a:r>
-            <a:endParaRPr/>
-          </a:p>
-          <a:p>
-            <a:pPr lvl="0" rtl="0">
-              <a:spcBef>
-                <a:spcPts val="0"/>
-              </a:spcBef>
-              <a:buNone/>
-            </a:pPr>
-            <a:r>
-              <a:t/>
-            </a:r>
-            <a:endParaRPr/>
+              <a:t>v_R3</a:t>
+            </a:r>
           </a:p>
         </p:txBody>
       </p:sp>
@@ -5584,7 +5650,7 @@
   <p:cSld>
     <p:spTree>
       <p:nvGrpSpPr>
-        <p:cNvPr id="84" name="Shape 84"/>
+        <p:cNvPr id="87" name="Shape 87"/>
         <p:cNvGrpSpPr/>
         <p:nvPr/>
       </p:nvGrpSpPr>
@@ -5598,7 +5664,7 @@
       </p:grpSpPr>
       <p:sp>
         <p:nvSpPr>
-          <p:cNvPr id="85" name="Shape 85"/>
+          <p:cNvPr id="88" name="Shape 88"/>
           <p:cNvSpPr/>
           <p:nvPr/>
         </p:nvSpPr>
@@ -5648,7 +5714,7 @@
       </p:sp>
       <p:sp>
         <p:nvSpPr>
-          <p:cNvPr id="86" name="Shape 86"/>
+          <p:cNvPr id="89" name="Shape 89"/>
           <p:cNvSpPr/>
           <p:nvPr/>
         </p:nvSpPr>
@@ -5694,7 +5760,7 @@
       </p:sp>
       <p:sp>
         <p:nvSpPr>
-          <p:cNvPr id="87" name="Shape 87"/>
+          <p:cNvPr id="90" name="Shape 90"/>
           <p:cNvSpPr txBox="1"/>
           <p:nvPr>
             <p:ph type="title"/>
@@ -5730,7 +5796,7 @@
       </p:sp>
       <p:sp>
         <p:nvSpPr>
-          <p:cNvPr id="88" name="Shape 88"/>
+          <p:cNvPr id="91" name="Shape 91"/>
           <p:cNvSpPr txBox="1"/>
           <p:nvPr/>
         </p:nvSpPr>
@@ -5776,7 +5842,7 @@
       </p:sp>
       <p:sp>
         <p:nvSpPr>
-          <p:cNvPr id="89" name="Shape 89"/>
+          <p:cNvPr id="92" name="Shape 92"/>
           <p:cNvSpPr txBox="1"/>
           <p:nvPr/>
         </p:nvSpPr>
@@ -5814,7 +5880,7 @@
       </p:sp>
       <p:sp>
         <p:nvSpPr>
-          <p:cNvPr id="90" name="Shape 90"/>
+          <p:cNvPr id="93" name="Shape 93"/>
           <p:cNvSpPr txBox="1"/>
           <p:nvPr/>
         </p:nvSpPr>
@@ -5860,7 +5926,7 @@
       </p:sp>
       <p:sp>
         <p:nvSpPr>
-          <p:cNvPr id="91" name="Shape 91"/>
+          <p:cNvPr id="94" name="Shape 94"/>
           <p:cNvSpPr txBox="1"/>
           <p:nvPr/>
         </p:nvSpPr>
@@ -5898,7 +5964,7 @@
       </p:sp>
       <p:sp>
         <p:nvSpPr>
-          <p:cNvPr id="92" name="Shape 92"/>
+          <p:cNvPr id="95" name="Shape 95"/>
           <p:cNvSpPr txBox="1"/>
           <p:nvPr/>
         </p:nvSpPr>
@@ -5944,7 +6010,7 @@
       </p:sp>
       <p:sp>
         <p:nvSpPr>
-          <p:cNvPr id="93" name="Shape 93"/>
+          <p:cNvPr id="96" name="Shape 96"/>
           <p:cNvSpPr txBox="1"/>
           <p:nvPr/>
         </p:nvSpPr>
@@ -5982,7 +6048,7 @@
       </p:sp>
       <p:sp>
         <p:nvSpPr>
-          <p:cNvPr id="94" name="Shape 94"/>
+          <p:cNvPr id="97" name="Shape 97"/>
           <p:cNvSpPr txBox="1"/>
           <p:nvPr/>
         </p:nvSpPr>
@@ -6028,7 +6094,7 @@
       </p:sp>
       <p:sp>
         <p:nvSpPr>
-          <p:cNvPr id="95" name="Shape 95"/>
+          <p:cNvPr id="98" name="Shape 98"/>
           <p:cNvSpPr txBox="1"/>
           <p:nvPr/>
         </p:nvSpPr>
@@ -6066,7 +6132,7 @@
       </p:sp>
       <p:sp>
         <p:nvSpPr>
-          <p:cNvPr id="96" name="Shape 96"/>
+          <p:cNvPr id="99" name="Shape 99"/>
           <p:cNvSpPr txBox="1"/>
           <p:nvPr/>
         </p:nvSpPr>
@@ -6118,7 +6184,7 @@
       </p:sp>
       <p:sp>
         <p:nvSpPr>
-          <p:cNvPr id="97" name="Shape 97"/>
+          <p:cNvPr id="100" name="Shape 100"/>
           <p:cNvSpPr txBox="1"/>
           <p:nvPr/>
         </p:nvSpPr>
@@ -6170,7 +6236,7 @@
       </p:sp>
       <p:sp>
         <p:nvSpPr>
-          <p:cNvPr id="98" name="Shape 98"/>
+          <p:cNvPr id="101" name="Shape 101"/>
           <p:cNvSpPr txBox="1"/>
           <p:nvPr/>
         </p:nvSpPr>
@@ -6209,7 +6275,7 @@
       </p:sp>
       <p:sp>
         <p:nvSpPr>
-          <p:cNvPr id="99" name="Shape 99"/>
+          <p:cNvPr id="102" name="Shape 102"/>
           <p:cNvSpPr txBox="1"/>
           <p:nvPr/>
         </p:nvSpPr>
@@ -6261,7 +6327,7 @@
       </p:sp>
       <p:sp>
         <p:nvSpPr>
-          <p:cNvPr id="100" name="Shape 100"/>
+          <p:cNvPr id="103" name="Shape 103"/>
           <p:cNvSpPr txBox="1"/>
           <p:nvPr/>
         </p:nvSpPr>
@@ -6299,7 +6365,7 @@
       </p:sp>
       <p:cxnSp>
         <p:nvCxnSpPr>
-          <p:cNvPr id="101" name="Shape 101"/>
+          <p:cNvPr id="104" name="Shape 104"/>
           <p:cNvCxnSpPr/>
           <p:nvPr/>
         </p:nvCxnSpPr>
@@ -6325,7 +6391,7 @@
       </p:cxnSp>
       <p:cxnSp>
         <p:nvCxnSpPr>
-          <p:cNvPr id="102" name="Shape 102"/>
+          <p:cNvPr id="105" name="Shape 105"/>
           <p:cNvCxnSpPr/>
           <p:nvPr/>
         </p:nvCxnSpPr>
@@ -6351,7 +6417,7 @@
       </p:cxnSp>
       <p:sp>
         <p:nvSpPr>
-          <p:cNvPr id="103" name="Shape 103"/>
+          <p:cNvPr id="106" name="Shape 106"/>
           <p:cNvSpPr txBox="1"/>
           <p:nvPr/>
         </p:nvSpPr>
@@ -6414,7 +6480,7 @@
       </p:sp>
       <p:sp>
         <p:nvSpPr>
-          <p:cNvPr id="104" name="Shape 104"/>
+          <p:cNvPr id="107" name="Shape 107"/>
           <p:cNvSpPr txBox="1"/>
           <p:nvPr/>
         </p:nvSpPr>
@@ -6474,7 +6540,7 @@
       </p:sp>
       <p:sp>
         <p:nvSpPr>
-          <p:cNvPr id="105" name="Shape 105"/>
+          <p:cNvPr id="108" name="Shape 108"/>
           <p:cNvSpPr txBox="1"/>
           <p:nvPr/>
         </p:nvSpPr>
@@ -6551,7 +6617,7 @@
       </p:sp>
       <p:sp>
         <p:nvSpPr>
-          <p:cNvPr id="106" name="Shape 106"/>
+          <p:cNvPr id="109" name="Shape 109"/>
           <p:cNvSpPr txBox="1"/>
           <p:nvPr/>
         </p:nvSpPr>
@@ -6659,7 +6725,7 @@
       </p:sp>
       <p:sp>
         <p:nvSpPr>
-          <p:cNvPr id="107" name="Shape 107"/>
+          <p:cNvPr id="110" name="Shape 110"/>
           <p:cNvSpPr txBox="1"/>
           <p:nvPr/>
         </p:nvSpPr>
@@ -6697,7 +6763,7 @@
       </p:sp>
       <p:sp>
         <p:nvSpPr>
-          <p:cNvPr id="108" name="Shape 108"/>
+          <p:cNvPr id="111" name="Shape 111"/>
           <p:cNvSpPr txBox="1"/>
           <p:nvPr/>
         </p:nvSpPr>
@@ -6765,7 +6831,7 @@
       </p:sp>
       <p:sp>
         <p:nvSpPr>
-          <p:cNvPr id="109" name="Shape 109"/>
+          <p:cNvPr id="112" name="Shape 112"/>
           <p:cNvSpPr txBox="1"/>
           <p:nvPr/>
         </p:nvSpPr>
@@ -6808,7 +6874,7 @@
       </p:sp>
       <p:sp>
         <p:nvSpPr>
-          <p:cNvPr id="110" name="Shape 110"/>
+          <p:cNvPr id="113" name="Shape 113"/>
           <p:cNvSpPr txBox="1"/>
           <p:nvPr/>
         </p:nvSpPr>
@@ -6851,7 +6917,7 @@
       </p:sp>
       <p:sp>
         <p:nvSpPr>
-          <p:cNvPr id="111" name="Shape 111"/>
+          <p:cNvPr id="114" name="Shape 114"/>
           <p:cNvSpPr txBox="1"/>
           <p:nvPr/>
         </p:nvSpPr>
@@ -6903,7 +6969,7 @@
   <p:cSld>
     <p:spTree>
       <p:nvGrpSpPr>
-        <p:cNvPr id="115" name="Shape 115"/>
+        <p:cNvPr id="118" name="Shape 118"/>
         <p:cNvGrpSpPr/>
         <p:nvPr/>
       </p:nvGrpSpPr>
@@ -6917,7 +6983,7 @@
       </p:grpSpPr>
       <p:pic>
         <p:nvPicPr>
-          <p:cNvPr id="116" name="Shape 116"/>
+          <p:cNvPr id="119" name="Shape 119"/>
           <p:cNvPicPr preferRelativeResize="0"/>
           <p:nvPr/>
         </p:nvPicPr>
@@ -6945,7 +7011,7 @@
       </p:pic>
       <p:sp>
         <p:nvSpPr>
-          <p:cNvPr id="117" name="Shape 117"/>
+          <p:cNvPr id="120" name="Shape 120"/>
           <p:cNvSpPr txBox="1"/>
           <p:nvPr/>
         </p:nvSpPr>
@@ -6983,7 +7049,7 @@
       </p:sp>
       <p:pic>
         <p:nvPicPr>
-          <p:cNvPr id="118" name="Shape 118"/>
+          <p:cNvPr id="121" name="Shape 121"/>
           <p:cNvPicPr preferRelativeResize="0"/>
           <p:nvPr/>
         </p:nvPicPr>
@@ -7011,7 +7077,7 @@
       </p:pic>
       <p:sp>
         <p:nvSpPr>
-          <p:cNvPr id="119" name="Shape 119"/>
+          <p:cNvPr id="122" name="Shape 122"/>
           <p:cNvSpPr txBox="1"/>
           <p:nvPr/>
         </p:nvSpPr>
@@ -7049,7 +7115,7 @@
       </p:sp>
       <p:pic>
         <p:nvPicPr>
-          <p:cNvPr id="120" name="Shape 120"/>
+          <p:cNvPr id="123" name="Shape 123"/>
           <p:cNvPicPr preferRelativeResize="0"/>
           <p:nvPr/>
         </p:nvPicPr>
@@ -7077,7 +7143,7 @@
       </p:pic>
       <p:sp>
         <p:nvSpPr>
-          <p:cNvPr id="121" name="Shape 121"/>
+          <p:cNvPr id="124" name="Shape 124"/>
           <p:cNvSpPr txBox="1"/>
           <p:nvPr/>
         </p:nvSpPr>
@@ -7115,7 +7181,7 @@
       </p:sp>
       <p:pic>
         <p:nvPicPr>
-          <p:cNvPr id="122" name="Shape 122"/>
+          <p:cNvPr id="125" name="Shape 125"/>
           <p:cNvPicPr preferRelativeResize="0"/>
           <p:nvPr/>
         </p:nvPicPr>
@@ -7143,7 +7209,7 @@
       </p:pic>
       <p:sp>
         <p:nvSpPr>
-          <p:cNvPr id="123" name="Shape 123"/>
+          <p:cNvPr id="126" name="Shape 126"/>
           <p:cNvSpPr txBox="1"/>
           <p:nvPr/>
         </p:nvSpPr>
@@ -7195,7 +7261,7 @@
   <p:cSld>
     <p:spTree>
       <p:nvGrpSpPr>
-        <p:cNvPr id="127" name="Shape 127"/>
+        <p:cNvPr id="130" name="Shape 130"/>
         <p:cNvGrpSpPr/>
         <p:nvPr/>
       </p:nvGrpSpPr>
@@ -7209,7 +7275,7 @@
       </p:grpSpPr>
       <p:pic>
         <p:nvPicPr>
-          <p:cNvPr id="128" name="Shape 128"/>
+          <p:cNvPr id="131" name="Shape 131"/>
           <p:cNvPicPr preferRelativeResize="0"/>
           <p:nvPr/>
         </p:nvPicPr>
@@ -7237,13 +7303,13 @@
       </p:pic>
       <p:sp>
         <p:nvSpPr>
-          <p:cNvPr id="129" name="Shape 129"/>
+          <p:cNvPr id="132" name="Shape 132"/>
           <p:cNvSpPr txBox="1"/>
           <p:nvPr/>
         </p:nvSpPr>
         <p:spPr>
           <a:xfrm>
-            <a:off x="3554525" y="100325"/>
+            <a:off x="3523675" y="244325"/>
             <a:ext cx="5073600" cy="890999"/>
           </a:xfrm>
           <a:prstGeom prst="rect">
@@ -7287,7 +7353,7 @@
       </p:sp>
       <p:sp>
         <p:nvSpPr>
-          <p:cNvPr id="130" name="Shape 130"/>
+          <p:cNvPr id="133" name="Shape 133"/>
           <p:cNvSpPr txBox="1"/>
           <p:nvPr/>
         </p:nvSpPr>
@@ -7342,19 +7408,7 @@
             </a:pPr>
             <a:r>
               <a:rPr lang="en"/>
-              <a:t>r1 = 1.0</a:t>
-            </a:r>
-          </a:p>
-          <a:p>
-            <a:pPr lvl="0" rtl="0">
-              <a:spcBef>
-                <a:spcPts val="0"/>
-              </a:spcBef>
-              <a:buNone/>
-            </a:pPr>
-            <a:r>
-              <a:rPr lang="en"/>
-              <a:t>r3 = 0.0</a:t>
+              <a:t>ub_R1 = 1.0</a:t>
             </a:r>
           </a:p>
           <a:p>
@@ -7450,7 +7504,7 @@
             </a:pPr>
             <a:r>
               <a:rPr lang="en"/>
-              <a:t>C   =   10.0</a:t>
+              <a:t>C   =   0.0</a:t>
             </a:r>
           </a:p>
           <a:p>
@@ -7553,7 +7607,7 @@
       </p:sp>
       <p:sp>
         <p:nvSpPr>
-          <p:cNvPr id="131" name="Shape 131"/>
+          <p:cNvPr id="134" name="Shape 134"/>
           <p:cNvSpPr txBox="1"/>
           <p:nvPr/>
         </p:nvSpPr>
@@ -7674,6 +7728,136 @@
               </a:rPr>
               <a:t>maximize : 1.0*R3</a:t>
             </a:r>
+          </a:p>
+          <a:p>
+            <a:pPr lvl="0" rtl="0">
+              <a:spcBef>
+                <a:spcPts val="0"/>
+              </a:spcBef>
+              <a:buNone/>
+            </a:pPr>
+            <a:r>
+              <a:t/>
+            </a:r>
+            <a:endParaRPr>
+              <a:solidFill>
+                <a:schemeClr val="dk1"/>
+              </a:solidFill>
+            </a:endParaRPr>
+          </a:p>
+          <a:p>
+            <a:pPr lvl="0" rtl="0">
+              <a:spcBef>
+                <a:spcPts val="0"/>
+              </a:spcBef>
+              <a:buClr>
+                <a:schemeClr val="dk1"/>
+              </a:buClr>
+              <a:buFont typeface="Arial"/>
+              <a:buNone/>
+            </a:pPr>
+            <a:r>
+              <a:t/>
+            </a:r>
+            <a:endParaRPr>
+              <a:solidFill>
+                <a:schemeClr val="dk1"/>
+              </a:solidFill>
+            </a:endParaRPr>
+          </a:p>
+          <a:p>
+            <a:pPr lvl="0" rtl="0">
+              <a:spcBef>
+                <a:spcPts val="0"/>
+              </a:spcBef>
+              <a:buNone/>
+            </a:pPr>
+            <a:r>
+              <a:t/>
+            </a:r>
+            <a:endParaRPr i="1"/>
+          </a:p>
+          <a:p>
+            <a:pPr lvl="0" rtl="0">
+              <a:spcBef>
+                <a:spcPts val="0"/>
+              </a:spcBef>
+              <a:buNone/>
+            </a:pPr>
+            <a:r>
+              <a:t/>
+            </a:r>
+            <a:endParaRPr/>
+          </a:p>
+          <a:p>
+            <a:pPr lvl="0" rtl="0">
+              <a:spcBef>
+                <a:spcPts val="0"/>
+              </a:spcBef>
+              <a:buNone/>
+            </a:pPr>
+            <a:r>
+              <a:t/>
+            </a:r>
+            <a:endParaRPr/>
+          </a:p>
+        </p:txBody>
+      </p:sp>
+      <p:sp>
+        <p:nvSpPr>
+          <p:cNvPr id="135" name="Shape 135"/>
+          <p:cNvSpPr txBox="1"/>
+          <p:nvPr/>
+        </p:nvSpPr>
+        <p:spPr>
+          <a:xfrm>
+            <a:off x="6415525" y="100325"/>
+            <a:ext cx="2589299" cy="1016699"/>
+          </a:xfrm>
+          <a:prstGeom prst="rect">
+            <a:avLst/>
+          </a:prstGeom>
+          <a:noFill/>
+          <a:ln>
+            <a:noFill/>
+          </a:ln>
+        </p:spPr>
+        <p:txBody>
+          <a:bodyPr anchorCtr="0" anchor="t" bIns="91425" lIns="91425" rIns="91425" tIns="91425">
+            <a:noAutofit/>
+          </a:bodyPr>
+          <a:lstStyle/>
+          <a:p>
+            <a:pPr lvl="0" rtl="0">
+              <a:spcBef>
+                <a:spcPts val="0"/>
+              </a:spcBef>
+              <a:buNone/>
+            </a:pPr>
+            <a:r>
+              <a:rPr b="1" lang="en"/>
+              <a:t>Version: </a:t>
+            </a:r>
+            <a:r>
+              <a:rPr lang="en"/>
+              <a:t>61004733ca7</a:t>
+            </a:r>
+          </a:p>
+          <a:p>
+            <a:pPr lvl="0" rtl="0">
+              <a:spcBef>
+                <a:spcPts val="0"/>
+              </a:spcBef>
+              <a:buNone/>
+            </a:pPr>
+            <a:r>
+              <a:t/>
+            </a:r>
+            <a:endParaRPr>
+              <a:solidFill>
+                <a:schemeClr val="dk1"/>
+              </a:solidFill>
+            </a:endParaRPr>
           </a:p>
           <a:p>
             <a:pPr lvl="0" rtl="0">
